--- a/Documents/CubeSat_Sub-Systems/Atittude Control/GPS PDR slides.pptx
+++ b/Documents/CubeSat_Sub-Systems/Atittude Control/GPS PDR slides.pptx
@@ -514,7 +514,19 @@
             </a:r>
             <a:r>
               <a:rPr lang="en-US" baseline="0" dirty="0" smtClean="0"/>
-              <a:t> 12K and 29K respectively </a:t>
+              <a:t> </a:t>
+            </a:r>
+            <a:r>
+              <a:rPr lang="en-US" baseline="0" dirty="0" smtClean="0"/>
+              <a:t>12K(around </a:t>
+            </a:r>
+            <a:r>
+              <a:rPr lang="en-US" baseline="0" smtClean="0"/>
+              <a:t>owned however) and </a:t>
+            </a:r>
+            <a:r>
+              <a:rPr lang="en-US" baseline="0" dirty="0" smtClean="0"/>
+              <a:t>29K respectively </a:t>
             </a:r>
             <a:endParaRPr lang="en-US" dirty="0"/>
           </a:p>
@@ -6949,7 +6961,7 @@
             <p:ph idx="1"/>
             <p:extLst>
               <p:ext uri="{D42A27DB-BD31-4B8C-83A1-F6EECF244321}">
-                <p14:modId xmlns:p14="http://schemas.microsoft.com/office/powerpoint/2010/main" val="3063105184"/>
+                <p14:modId xmlns:p14="http://schemas.microsoft.com/office/powerpoint/2010/main" val="3028135651"/>
               </p:ext>
             </p:extLst>
           </p:nvPr>
@@ -7270,7 +7282,7 @@
                       </a:r>
                       <a:r>
                         <a:rPr lang="en-US" baseline="0" dirty="0" smtClean="0"/>
-                        <a:t>HASP</a:t>
+                        <a:t>HASP and Colorado CubeSat team</a:t>
                       </a:r>
                       <a:endParaRPr lang="en-US" dirty="0"/>
                     </a:p>
@@ -7784,11 +7796,7 @@
                       </a:r>
                       <a:r>
                         <a:rPr lang="en-US" baseline="0" smtClean="0"/>
-                        <a:t>on </a:t>
-                      </a:r>
-                      <a:r>
-                        <a:rPr lang="en-US" baseline="0" smtClean="0"/>
-                        <a:t>HAPS</a:t>
+                        <a:t>on HAPS</a:t>
                       </a:r>
                       <a:endParaRPr lang="en-US" dirty="0"/>
                     </a:p>
@@ -8073,7 +8081,7 @@
   <a:extraClrSchemeLst/>
   <a:extLst>
     <a:ext uri="{05A4C25C-085E-4340-85A3-A5531E510DB2}">
-      <thm15:themeFamily xmlns:thm15="http://schemas.microsoft.com/office/thememl/2012/main" xmlns="" name="Ion" id="{B8441ADB-2E43-4AF7-B97A-BD870242C6A8}" vid="{292E63A9-BB86-4E3D-B92A-7223C6510D2E}"/>
+      <thm15:themeFamily xmlns="" xmlns:thm15="http://schemas.microsoft.com/office/thememl/2012/main" name="Ion" id="{B8441ADB-2E43-4AF7-B97A-BD870242C6A8}" vid="{292E63A9-BB86-4E3D-B92A-7223C6510D2E}"/>
     </a:ext>
   </a:extLst>
 </a:theme>
@@ -8334,7 +8342,7 @@
   <a:extraClrSchemeLst/>
   <a:extLst>
     <a:ext uri="{05A4C25C-085E-4340-85A3-A5531E510DB2}">
-      <thm15:themeFamily xmlns:thm15="http://schemas.microsoft.com/office/thememl/2012/main" xmlns="" name="Office Theme" id="{62F939B6-93AF-4DB8-9C6B-D6C7DFDC589F}" vid="{4A3C46E8-61CC-4603-A589-7422A47A8E4A}"/>
+      <thm15:themeFamily xmlns="" xmlns:thm15="http://schemas.microsoft.com/office/thememl/2012/main" name="Office Theme" id="{62F939B6-93AF-4DB8-9C6B-D6C7DFDC589F}" vid="{4A3C46E8-61CC-4603-A589-7422A47A8E4A}"/>
     </a:ext>
   </a:extLst>
 </a:theme>
